--- a/Курсовая работа, 4 семестр.pptx
+++ b/Курсовая работа, 4 семестр.pptx
@@ -3845,13 +3845,8 @@
           <a:p>
             <a:r>
               <a:rPr lang="ru-RU" dirty="0"/>
-              <a:t>предназначен для обучения студентов </a:t>
-            </a:r>
-            <a:r>
-              <a:rPr lang="ru-RU"/>
-              <a:t>компьютерной лингвистике</a:t>
-            </a:r>
-            <a:endParaRPr lang="ru-RU" dirty="0"/>
+              <a:t>предназначен для обучения студентов компьютерной лингвистике</a:t>
+            </a:r>
           </a:p>
         </p:txBody>
       </p:sp>
@@ -3906,32 +3901,129 @@
           <a:bodyPr/>
           <a:lstStyle/>
           <a:p>
-            <a:endParaRPr lang="ru-RU"/>
-          </a:p>
-        </p:txBody>
-      </p:sp>
-      <p:sp>
-        <p:nvSpPr>
-          <p:cNvPr id="3" name="Объект 2">
-            <a:extLst>
-              <a:ext uri="{FF2B5EF4-FFF2-40B4-BE49-F238E27FC236}">
-                <a16:creationId xmlns:a16="http://schemas.microsoft.com/office/drawing/2014/main" id="{CB54C5F5-CA0C-4C96-98D9-9C9FA18B3DF3}"/>
-              </a:ext>
-            </a:extLst>
-          </p:cNvPr>
-          <p:cNvSpPr>
-            <a:spLocks noGrp="1"/>
-          </p:cNvSpPr>
-          <p:nvPr>
-            <p:ph idx="1"/>
-          </p:nvPr>
-        </p:nvSpPr>
-        <p:spPr/>
-        <p:txBody>
-          <a:bodyPr/>
-          <a:lstStyle/>
-          <a:p>
-            <a:endParaRPr lang="ru-RU"/>
+            <a:r>
+              <a:rPr lang="ru-RU" dirty="0"/>
+              <a:t>Построение модели</a:t>
+            </a:r>
+          </a:p>
+        </p:txBody>
+      </p:sp>
+      <p:pic>
+        <p:nvPicPr>
+          <p:cNvPr id="4" name="Рисунок 3">
+            <a:extLst>
+              <a:ext uri="{FF2B5EF4-FFF2-40B4-BE49-F238E27FC236}">
+                <a16:creationId xmlns:a16="http://schemas.microsoft.com/office/drawing/2014/main" id="{60BACB99-9DE5-46B2-B2CB-3B142FAEF6E0}"/>
+              </a:ext>
+            </a:extLst>
+          </p:cNvPr>
+          <p:cNvPicPr/>
+          <p:nvPr/>
+        </p:nvPicPr>
+        <p:blipFill>
+          <a:blip r:embed="rId2"/>
+          <a:stretch>
+            <a:fillRect/>
+          </a:stretch>
+        </p:blipFill>
+        <p:spPr>
+          <a:xfrm>
+            <a:off x="838200" y="1690688"/>
+            <a:ext cx="8368146" cy="835602"/>
+          </a:xfrm>
+          <a:prstGeom prst="rect">
+            <a:avLst/>
+          </a:prstGeom>
+        </p:spPr>
+      </p:pic>
+      <p:pic>
+        <p:nvPicPr>
+          <p:cNvPr id="5" name="Рисунок 4">
+            <a:extLst>
+              <a:ext uri="{FF2B5EF4-FFF2-40B4-BE49-F238E27FC236}">
+                <a16:creationId xmlns:a16="http://schemas.microsoft.com/office/drawing/2014/main" id="{2C053570-A90F-44D5-8FF1-B895A426C3CB}"/>
+              </a:ext>
+            </a:extLst>
+          </p:cNvPr>
+          <p:cNvPicPr/>
+          <p:nvPr/>
+        </p:nvPicPr>
+        <p:blipFill>
+          <a:blip r:embed="rId3"/>
+          <a:stretch>
+            <a:fillRect/>
+          </a:stretch>
+        </p:blipFill>
+        <p:spPr>
+          <a:xfrm>
+            <a:off x="838200" y="2663969"/>
+            <a:ext cx="5156056" cy="960726"/>
+          </a:xfrm>
+          <a:prstGeom prst="rect">
+            <a:avLst/>
+          </a:prstGeom>
+        </p:spPr>
+      </p:pic>
+      <p:pic>
+        <p:nvPicPr>
+          <p:cNvPr id="6" name="Рисунок 5">
+            <a:extLst>
+              <a:ext uri="{FF2B5EF4-FFF2-40B4-BE49-F238E27FC236}">
+                <a16:creationId xmlns:a16="http://schemas.microsoft.com/office/drawing/2014/main" id="{10BD5D04-5017-42E7-BF88-1667FD1B879E}"/>
+              </a:ext>
+            </a:extLst>
+          </p:cNvPr>
+          <p:cNvPicPr/>
+          <p:nvPr/>
+        </p:nvPicPr>
+        <p:blipFill>
+          <a:blip r:embed="rId4"/>
+          <a:stretch>
+            <a:fillRect/>
+          </a:stretch>
+        </p:blipFill>
+        <p:spPr>
+          <a:xfrm>
+            <a:off x="534698" y="4331711"/>
+            <a:ext cx="11118273" cy="572798"/>
+          </a:xfrm>
+          <a:prstGeom prst="rect">
+            <a:avLst/>
+          </a:prstGeom>
+        </p:spPr>
+      </p:pic>
+      <p:sp>
+        <p:nvSpPr>
+          <p:cNvPr id="7" name="TextBox 6">
+            <a:extLst>
+              <a:ext uri="{FF2B5EF4-FFF2-40B4-BE49-F238E27FC236}">
+                <a16:creationId xmlns:a16="http://schemas.microsoft.com/office/drawing/2014/main" id="{06832CDB-5252-4038-A046-5A0F92BF5215}"/>
+              </a:ext>
+            </a:extLst>
+          </p:cNvPr>
+          <p:cNvSpPr txBox="1"/>
+          <p:nvPr/>
+        </p:nvSpPr>
+        <p:spPr>
+          <a:xfrm>
+            <a:off x="838200" y="3793537"/>
+            <a:ext cx="1177695" cy="369332"/>
+          </a:xfrm>
+          <a:prstGeom prst="rect">
+            <a:avLst/>
+          </a:prstGeom>
+          <a:noFill/>
+        </p:spPr>
+        <p:txBody>
+          <a:bodyPr wrap="none" rtlCol="0">
+            <a:spAutoFit/>
+          </a:bodyPr>
+          <a:lstStyle/>
+          <a:p>
+            <a:r>
+              <a:rPr lang="ru-RU" dirty="0"/>
+              <a:t>Результат:</a:t>
+            </a:r>
           </a:p>
         </p:txBody>
       </p:sp>
@@ -3986,32 +4078,129 @@
           <a:bodyPr/>
           <a:lstStyle/>
           <a:p>
-            <a:endParaRPr lang="ru-RU"/>
-          </a:p>
-        </p:txBody>
-      </p:sp>
-      <p:sp>
-        <p:nvSpPr>
-          <p:cNvPr id="3" name="Объект 2">
-            <a:extLst>
-              <a:ext uri="{FF2B5EF4-FFF2-40B4-BE49-F238E27FC236}">
-                <a16:creationId xmlns:a16="http://schemas.microsoft.com/office/drawing/2014/main" id="{61781F8D-3EE0-472B-BF43-A13530084FFF}"/>
-              </a:ext>
-            </a:extLst>
-          </p:cNvPr>
-          <p:cNvSpPr>
-            <a:spLocks noGrp="1"/>
-          </p:cNvSpPr>
-          <p:nvPr>
-            <p:ph idx="1"/>
-          </p:nvPr>
-        </p:nvSpPr>
-        <p:spPr/>
-        <p:txBody>
-          <a:bodyPr/>
-          <a:lstStyle/>
-          <a:p>
-            <a:endParaRPr lang="ru-RU"/>
+            <a:r>
+              <a:rPr lang="ru-RU" dirty="0"/>
+              <a:t>Построение модели</a:t>
+            </a:r>
+          </a:p>
+        </p:txBody>
+      </p:sp>
+      <p:pic>
+        <p:nvPicPr>
+          <p:cNvPr id="4" name="Рисунок 3">
+            <a:extLst>
+              <a:ext uri="{FF2B5EF4-FFF2-40B4-BE49-F238E27FC236}">
+                <a16:creationId xmlns:a16="http://schemas.microsoft.com/office/drawing/2014/main" id="{6727EA9C-4626-4202-8819-3A3731754AFA}"/>
+              </a:ext>
+            </a:extLst>
+          </p:cNvPr>
+          <p:cNvPicPr/>
+          <p:nvPr/>
+        </p:nvPicPr>
+        <p:blipFill>
+          <a:blip r:embed="rId2"/>
+          <a:stretch>
+            <a:fillRect/>
+          </a:stretch>
+        </p:blipFill>
+        <p:spPr>
+          <a:xfrm>
+            <a:off x="838200" y="1690688"/>
+            <a:ext cx="4027776" cy="841664"/>
+          </a:xfrm>
+          <a:prstGeom prst="rect">
+            <a:avLst/>
+          </a:prstGeom>
+        </p:spPr>
+      </p:pic>
+      <p:pic>
+        <p:nvPicPr>
+          <p:cNvPr id="5" name="Рисунок 4">
+            <a:extLst>
+              <a:ext uri="{FF2B5EF4-FFF2-40B4-BE49-F238E27FC236}">
+                <a16:creationId xmlns:a16="http://schemas.microsoft.com/office/drawing/2014/main" id="{837C3EF0-7438-463B-9A17-07F94578D1EF}"/>
+              </a:ext>
+            </a:extLst>
+          </p:cNvPr>
+          <p:cNvPicPr/>
+          <p:nvPr/>
+        </p:nvPicPr>
+        <p:blipFill>
+          <a:blip r:embed="rId3"/>
+          <a:stretch>
+            <a:fillRect/>
+          </a:stretch>
+        </p:blipFill>
+        <p:spPr>
+          <a:xfrm>
+            <a:off x="838200" y="2662237"/>
+            <a:ext cx="4027776" cy="1023072"/>
+          </a:xfrm>
+          <a:prstGeom prst="rect">
+            <a:avLst/>
+          </a:prstGeom>
+        </p:spPr>
+      </p:pic>
+      <p:pic>
+        <p:nvPicPr>
+          <p:cNvPr id="6" name="Рисунок 5">
+            <a:extLst>
+              <a:ext uri="{FF2B5EF4-FFF2-40B4-BE49-F238E27FC236}">
+                <a16:creationId xmlns:a16="http://schemas.microsoft.com/office/drawing/2014/main" id="{49C6CBDF-42CC-44F5-B8CC-3BE716841F65}"/>
+              </a:ext>
+            </a:extLst>
+          </p:cNvPr>
+          <p:cNvPicPr/>
+          <p:nvPr/>
+        </p:nvPicPr>
+        <p:blipFill>
+          <a:blip r:embed="rId4"/>
+          <a:stretch>
+            <a:fillRect/>
+          </a:stretch>
+        </p:blipFill>
+        <p:spPr>
+          <a:xfrm>
+            <a:off x="838200" y="4325649"/>
+            <a:ext cx="8442498" cy="1686791"/>
+          </a:xfrm>
+          <a:prstGeom prst="rect">
+            <a:avLst/>
+          </a:prstGeom>
+        </p:spPr>
+      </p:pic>
+      <p:sp>
+        <p:nvSpPr>
+          <p:cNvPr id="7" name="TextBox 6">
+            <a:extLst>
+              <a:ext uri="{FF2B5EF4-FFF2-40B4-BE49-F238E27FC236}">
+                <a16:creationId xmlns:a16="http://schemas.microsoft.com/office/drawing/2014/main" id="{BEC87A0C-1203-4FF7-BB54-49E57B8BC9C4}"/>
+              </a:ext>
+            </a:extLst>
+          </p:cNvPr>
+          <p:cNvSpPr txBox="1"/>
+          <p:nvPr/>
+        </p:nvSpPr>
+        <p:spPr>
+          <a:xfrm>
+            <a:off x="838200" y="3829048"/>
+            <a:ext cx="1177695" cy="369332"/>
+          </a:xfrm>
+          <a:prstGeom prst="rect">
+            <a:avLst/>
+          </a:prstGeom>
+          <a:noFill/>
+        </p:spPr>
+        <p:txBody>
+          <a:bodyPr wrap="none" rtlCol="0">
+            <a:spAutoFit/>
+          </a:bodyPr>
+          <a:lstStyle/>
+          <a:p>
+            <a:r>
+              <a:rPr lang="ru-RU" dirty="0"/>
+              <a:t>Результат:</a:t>
+            </a:r>
           </a:p>
         </p:txBody>
       </p:sp>
@@ -4066,32 +4255,129 @@
           <a:bodyPr/>
           <a:lstStyle/>
           <a:p>
-            <a:endParaRPr lang="ru-RU"/>
-          </a:p>
-        </p:txBody>
-      </p:sp>
-      <p:sp>
-        <p:nvSpPr>
-          <p:cNvPr id="3" name="Объект 2">
-            <a:extLst>
-              <a:ext uri="{FF2B5EF4-FFF2-40B4-BE49-F238E27FC236}">
-                <a16:creationId xmlns:a16="http://schemas.microsoft.com/office/drawing/2014/main" id="{462202AF-F203-46DC-9D54-21375EE3B409}"/>
-              </a:ext>
-            </a:extLst>
-          </p:cNvPr>
-          <p:cNvSpPr>
-            <a:spLocks noGrp="1"/>
-          </p:cNvSpPr>
-          <p:nvPr>
-            <p:ph idx="1"/>
-          </p:nvPr>
-        </p:nvSpPr>
-        <p:spPr/>
-        <p:txBody>
-          <a:bodyPr/>
-          <a:lstStyle/>
-          <a:p>
-            <a:endParaRPr lang="ru-RU"/>
+            <a:r>
+              <a:rPr lang="ru-RU" dirty="0"/>
+              <a:t>Построение модели</a:t>
+            </a:r>
+          </a:p>
+        </p:txBody>
+      </p:sp>
+      <p:pic>
+        <p:nvPicPr>
+          <p:cNvPr id="4" name="Рисунок 3">
+            <a:extLst>
+              <a:ext uri="{FF2B5EF4-FFF2-40B4-BE49-F238E27FC236}">
+                <a16:creationId xmlns:a16="http://schemas.microsoft.com/office/drawing/2014/main" id="{43FC0654-4E3C-4077-B1A5-2CA14CF46193}"/>
+              </a:ext>
+            </a:extLst>
+          </p:cNvPr>
+          <p:cNvPicPr/>
+          <p:nvPr/>
+        </p:nvPicPr>
+        <p:blipFill>
+          <a:blip r:embed="rId2"/>
+          <a:stretch>
+            <a:fillRect/>
+          </a:stretch>
+        </p:blipFill>
+        <p:spPr>
+          <a:xfrm>
+            <a:off x="838201" y="1690689"/>
+            <a:ext cx="4384964" cy="401348"/>
+          </a:xfrm>
+          <a:prstGeom prst="rect">
+            <a:avLst/>
+          </a:prstGeom>
+        </p:spPr>
+      </p:pic>
+      <p:pic>
+        <p:nvPicPr>
+          <p:cNvPr id="5" name="Рисунок 4">
+            <a:extLst>
+              <a:ext uri="{FF2B5EF4-FFF2-40B4-BE49-F238E27FC236}">
+                <a16:creationId xmlns:a16="http://schemas.microsoft.com/office/drawing/2014/main" id="{2913E7D9-66DD-4A57-91FC-7804EBFE1856}"/>
+              </a:ext>
+            </a:extLst>
+          </p:cNvPr>
+          <p:cNvPicPr/>
+          <p:nvPr/>
+        </p:nvPicPr>
+        <p:blipFill>
+          <a:blip r:embed="rId3"/>
+          <a:stretch>
+            <a:fillRect/>
+          </a:stretch>
+        </p:blipFill>
+        <p:spPr>
+          <a:xfrm>
+            <a:off x="838200" y="2193346"/>
+            <a:ext cx="2790393" cy="342035"/>
+          </a:xfrm>
+          <a:prstGeom prst="rect">
+            <a:avLst/>
+          </a:prstGeom>
+        </p:spPr>
+      </p:pic>
+      <p:pic>
+        <p:nvPicPr>
+          <p:cNvPr id="6" name="Рисунок 5">
+            <a:extLst>
+              <a:ext uri="{FF2B5EF4-FFF2-40B4-BE49-F238E27FC236}">
+                <a16:creationId xmlns:a16="http://schemas.microsoft.com/office/drawing/2014/main" id="{A83EB1AB-34DD-4675-A2B4-2DD7CEB2EE6D}"/>
+              </a:ext>
+            </a:extLst>
+          </p:cNvPr>
+          <p:cNvPicPr/>
+          <p:nvPr/>
+        </p:nvPicPr>
+        <p:blipFill>
+          <a:blip r:embed="rId4"/>
+          <a:stretch>
+            <a:fillRect/>
+          </a:stretch>
+        </p:blipFill>
+        <p:spPr>
+          <a:xfrm>
+            <a:off x="838200" y="3814113"/>
+            <a:ext cx="7834630" cy="1903702"/>
+          </a:xfrm>
+          <a:prstGeom prst="rect">
+            <a:avLst/>
+          </a:prstGeom>
+        </p:spPr>
+      </p:pic>
+      <p:sp>
+        <p:nvSpPr>
+          <p:cNvPr id="7" name="TextBox 6">
+            <a:extLst>
+              <a:ext uri="{FF2B5EF4-FFF2-40B4-BE49-F238E27FC236}">
+                <a16:creationId xmlns:a16="http://schemas.microsoft.com/office/drawing/2014/main" id="{F5663B6A-3BE9-4C32-8EB7-61A0E1817D0A}"/>
+              </a:ext>
+            </a:extLst>
+          </p:cNvPr>
+          <p:cNvSpPr txBox="1"/>
+          <p:nvPr/>
+        </p:nvSpPr>
+        <p:spPr>
+          <a:xfrm>
+            <a:off x="838200" y="3343373"/>
+            <a:ext cx="1177695" cy="369332"/>
+          </a:xfrm>
+          <a:prstGeom prst="rect">
+            <a:avLst/>
+          </a:prstGeom>
+          <a:noFill/>
+        </p:spPr>
+        <p:txBody>
+          <a:bodyPr wrap="none" rtlCol="0">
+            <a:spAutoFit/>
+          </a:bodyPr>
+          <a:lstStyle/>
+          <a:p>
+            <a:r>
+              <a:rPr lang="ru-RU" dirty="0"/>
+              <a:t>Результат:</a:t>
+            </a:r>
           </a:p>
         </p:txBody>
       </p:sp>
@@ -4146,32 +4432,101 @@
           <a:bodyPr/>
           <a:lstStyle/>
           <a:p>
-            <a:endParaRPr lang="ru-RU"/>
-          </a:p>
-        </p:txBody>
-      </p:sp>
-      <p:sp>
-        <p:nvSpPr>
-          <p:cNvPr id="3" name="Объект 2">
-            <a:extLst>
-              <a:ext uri="{FF2B5EF4-FFF2-40B4-BE49-F238E27FC236}">
-                <a16:creationId xmlns:a16="http://schemas.microsoft.com/office/drawing/2014/main" id="{E4C97077-F6AD-47C2-824F-34A512756394}"/>
-              </a:ext>
-            </a:extLst>
-          </p:cNvPr>
-          <p:cNvSpPr>
-            <a:spLocks noGrp="1"/>
-          </p:cNvSpPr>
-          <p:nvPr>
-            <p:ph idx="1"/>
-          </p:nvPr>
-        </p:nvSpPr>
-        <p:spPr/>
-        <p:txBody>
-          <a:bodyPr/>
-          <a:lstStyle/>
-          <a:p>
-            <a:endParaRPr lang="ru-RU"/>
+            <a:r>
+              <a:rPr lang="ru-RU" dirty="0"/>
+              <a:t>Построение модели</a:t>
+            </a:r>
+          </a:p>
+        </p:txBody>
+      </p:sp>
+      <p:pic>
+        <p:nvPicPr>
+          <p:cNvPr id="4" name="Рисунок 3">
+            <a:extLst>
+              <a:ext uri="{FF2B5EF4-FFF2-40B4-BE49-F238E27FC236}">
+                <a16:creationId xmlns:a16="http://schemas.microsoft.com/office/drawing/2014/main" id="{BA960E40-E5A1-4908-9ECE-E86190B4F31D}"/>
+              </a:ext>
+            </a:extLst>
+          </p:cNvPr>
+          <p:cNvPicPr/>
+          <p:nvPr/>
+        </p:nvPicPr>
+        <p:blipFill>
+          <a:blip r:embed="rId2"/>
+          <a:stretch>
+            <a:fillRect/>
+          </a:stretch>
+        </p:blipFill>
+        <p:spPr>
+          <a:xfrm>
+            <a:off x="838200" y="1690688"/>
+            <a:ext cx="3647209" cy="916998"/>
+          </a:xfrm>
+          <a:prstGeom prst="rect">
+            <a:avLst/>
+          </a:prstGeom>
+        </p:spPr>
+      </p:pic>
+      <p:pic>
+        <p:nvPicPr>
+          <p:cNvPr id="5" name="Рисунок 4">
+            <a:extLst>
+              <a:ext uri="{FF2B5EF4-FFF2-40B4-BE49-F238E27FC236}">
+                <a16:creationId xmlns:a16="http://schemas.microsoft.com/office/drawing/2014/main" id="{55284558-F704-4631-815A-5FC8F676B26B}"/>
+              </a:ext>
+            </a:extLst>
+          </p:cNvPr>
+          <p:cNvPicPr/>
+          <p:nvPr/>
+        </p:nvPicPr>
+        <p:blipFill>
+          <a:blip r:embed="rId3"/>
+          <a:stretch>
+            <a:fillRect/>
+          </a:stretch>
+        </p:blipFill>
+        <p:spPr>
+          <a:xfrm>
+            <a:off x="2147728" y="3429000"/>
+            <a:ext cx="7896543" cy="2024063"/>
+          </a:xfrm>
+          <a:prstGeom prst="rect">
+            <a:avLst/>
+          </a:prstGeom>
+        </p:spPr>
+      </p:pic>
+      <p:sp>
+        <p:nvSpPr>
+          <p:cNvPr id="6" name="TextBox 5">
+            <a:extLst>
+              <a:ext uri="{FF2B5EF4-FFF2-40B4-BE49-F238E27FC236}">
+                <a16:creationId xmlns:a16="http://schemas.microsoft.com/office/drawing/2014/main" id="{BF2C3638-4E60-4931-B95F-5BDE2B58BA1F}"/>
+              </a:ext>
+            </a:extLst>
+          </p:cNvPr>
+          <p:cNvSpPr txBox="1"/>
+          <p:nvPr/>
+        </p:nvSpPr>
+        <p:spPr>
+          <a:xfrm>
+            <a:off x="4734600" y="5453063"/>
+            <a:ext cx="2722797" cy="369332"/>
+          </a:xfrm>
+          <a:prstGeom prst="rect">
+            <a:avLst/>
+          </a:prstGeom>
+          <a:noFill/>
+        </p:spPr>
+        <p:txBody>
+          <a:bodyPr wrap="none" rtlCol="0">
+            <a:spAutoFit/>
+          </a:bodyPr>
+          <a:lstStyle/>
+          <a:p>
+            <a:r>
+              <a:rPr lang="ru-RU" dirty="0"/>
+              <a:t>Окончательный результат</a:t>
+            </a:r>
           </a:p>
         </p:txBody>
       </p:sp>
@@ -4226,7 +4581,10 @@
           <a:bodyPr/>
           <a:lstStyle/>
           <a:p>
-            <a:endParaRPr lang="ru-RU"/>
+            <a:r>
+              <a:rPr lang="ru-RU" dirty="0"/>
+              <a:t>Заключение</a:t>
+            </a:r>
           </a:p>
         </p:txBody>
       </p:sp>
@@ -4251,7 +4609,22 @@
           <a:bodyPr/>
           <a:lstStyle/>
           <a:p>
-            <a:endParaRPr lang="ru-RU"/>
+            <a:r>
+              <a:rPr lang="ru-RU" dirty="0"/>
+              <a:t>изучены принципы синтаксического анализа, как со стороны лингвистики, так и со стороны компьютерных технологий</a:t>
+            </a:r>
+          </a:p>
+          <a:p>
+            <a:r>
+              <a:rPr lang="ru-RU" dirty="0"/>
+              <a:t>произведено исследование в сети Интернет по поиску развернутой и полной информации по обоим направлениям</a:t>
+            </a:r>
+          </a:p>
+          <a:p>
+            <a:r>
+              <a:rPr lang="ru-RU" dirty="0"/>
+              <a:t>были найдены и проанализированы источники нужной информации, что способствовало более точному пониманию объекта и предмета исследования курсовой работы</a:t>
+            </a:r>
           </a:p>
         </p:txBody>
       </p:sp>
@@ -4306,7 +4679,10 @@
           <a:bodyPr/>
           <a:lstStyle/>
           <a:p>
-            <a:endParaRPr lang="ru-RU"/>
+            <a:r>
+              <a:rPr lang="ru-RU" dirty="0"/>
+              <a:t>Заключение</a:t>
+            </a:r>
           </a:p>
         </p:txBody>
       </p:sp>
@@ -4331,7 +4707,35 @@
           <a:bodyPr/>
           <a:lstStyle/>
           <a:p>
-            <a:endParaRPr lang="ru-RU"/>
+            <a:r>
+              <a:rPr lang="ru-RU" dirty="0"/>
+              <a:t>произведен поиск инструментов для обработки естественного языка</a:t>
+            </a:r>
+          </a:p>
+          <a:p>
+            <a:r>
+              <a:rPr lang="ru-RU" dirty="0"/>
+              <a:t>каждый инструмент был проанализирован на предмет наличия возможности синтаксического анализа предложений</a:t>
+            </a:r>
+          </a:p>
+          <a:p>
+            <a:r>
+              <a:rPr lang="ru-RU" dirty="0"/>
+              <a:t>выбрана и изучена библиотека </a:t>
+            </a:r>
+            <a:r>
+              <a:rPr lang="en-US" dirty="0"/>
+              <a:t>NLTK</a:t>
+            </a:r>
+            <a:r>
+              <a:rPr lang="ru-RU" dirty="0"/>
+              <a:t> для языка </a:t>
+            </a:r>
+            <a:r>
+              <a:rPr lang="en-US" dirty="0"/>
+              <a:t>Python</a:t>
+            </a:r>
+            <a:endParaRPr lang="ru-RU" dirty="0"/>
           </a:p>
         </p:txBody>
       </p:sp>
@@ -4386,7 +4790,10 @@
           <a:bodyPr/>
           <a:lstStyle/>
           <a:p>
-            <a:endParaRPr lang="ru-RU"/>
+            <a:r>
+              <a:rPr lang="ru-RU" dirty="0"/>
+              <a:t>Заключение</a:t>
+            </a:r>
           </a:p>
         </p:txBody>
       </p:sp>
@@ -4411,7 +4818,25 @@
           <a:bodyPr/>
           <a:lstStyle/>
           <a:p>
-            <a:endParaRPr lang="ru-RU"/>
+            <a:r>
+              <a:rPr lang="ru-RU" dirty="0"/>
+              <a:t>смоделировано с помощью выбранного инструмента синтаксическое дерево предложения</a:t>
+            </a:r>
+          </a:p>
+          <a:p>
+            <a:r>
+              <a:rPr lang="ru-RU" dirty="0"/>
+              <a:t>построено графическое представление данного дерева</a:t>
+            </a:r>
+          </a:p>
+          <a:p>
+            <a:pPr marL="0" indent="0">
+              <a:buNone/>
+            </a:pPr>
+            <a:r>
+              <a:rPr lang="ru-RU" dirty="0"/>
+              <a:t>То есть получена модель синтаксической структуры предложения</a:t>
+            </a:r>
           </a:p>
         </p:txBody>
       </p:sp>
@@ -4560,7 +4985,7 @@
           <a:p>
             <a:r>
               <a:rPr lang="ru-RU" dirty="0"/>
-              <a:t>Заключение</a:t>
+              <a:t>Выводы</a:t>
             </a:r>
           </a:p>
         </p:txBody>
@@ -4588,40 +5013,36 @@
           </a:bodyPr>
           <a:lstStyle/>
           <a:p>
-            <a:pPr marL="0" indent="0">
-              <a:buNone/>
-            </a:pPr>
-            <a:r>
-              <a:rPr lang="ru-RU" dirty="0"/>
-              <a:t>По итогам проделанной работы были сделаны следующие выводы:</a:t>
-            </a:r>
-          </a:p>
-          <a:p>
             <a:pPr lvl="0"/>
             <a:r>
-              <a:rPr lang="ru-RU"/>
-              <a:t>дальность </a:t>
-            </a:r>
-            <a:r>
-              <a:rPr lang="ru-RU" dirty="0"/>
-              <a:t>полета тела прямо пропорционально зависит от начальной скорости, которую ему придают;</a:t>
+              <a:rPr lang="ru-RU" dirty="0"/>
+              <a:t>Моделирование синтаксических структур сложное и обширное направление, требующее углубленных знаний.</a:t>
             </a:r>
           </a:p>
           <a:p>
             <a:pPr lvl="0"/>
             <a:r>
               <a:rPr lang="ru-RU" dirty="0"/>
-              <a:t>максимальная дальность полета будет при движении тела под углом к горизонту в 45 градусов;</a:t>
-            </a:r>
-          </a:p>
-          <a:p>
-            <a:pPr lvl="0"/>
-            <a:r>
-              <a:rPr lang="ru-RU" dirty="0"/>
-              <a:t>чем меньше угол броска отличается от угла в 45 градусов (т.е. разность углов по модулю), тем больше дальность полета тела.</a:t>
-            </a:r>
-          </a:p>
-          <a:p>
+              <a:t>Библиотека </a:t>
+            </a:r>
+            <a:r>
+              <a:rPr lang="en-US" dirty="0"/>
+              <a:t>NLTK</a:t>
+            </a:r>
+            <a:r>
+              <a:rPr lang="ru-RU" dirty="0"/>
+              <a:t> является хорошим инструментом для понимания разбора и обработки синтаксических структур.</a:t>
+            </a:r>
+          </a:p>
+          <a:p>
+            <a:r>
+              <a:rPr lang="ru-RU" dirty="0"/>
+              <a:t>Полученная модель данных синтаксического анализа является достаточной для понимания принципов синтаксической обработки </a:t>
+            </a:r>
+            <a:r>
+              <a:rPr lang="ru-RU"/>
+              <a:t>естественного языка.</a:t>
+            </a:r>
             <a:endParaRPr lang="ru-RU" dirty="0"/>
           </a:p>
         </p:txBody>
